--- a/Presentation.pptx
+++ b/Presentation.pptx
@@ -3549,11 +3549,15 @@
             </a:r>
             <a:r>
               <a:rPr lang="en-US" dirty="0"/>
-              <a:t> service </a:t>
-            </a:r>
-            <a:r>
-              <a:rPr lang="en-US" dirty="0" err="1"/>
-              <a:t>montly</a:t>
+              <a:t> </a:t>
+            </a:r>
+            <a:r>
+              <a:rPr lang="en-US"/>
+              <a:t>service </a:t>
+            </a:r>
+            <a:r>
+              <a:rPr lang="en-US" smtClean="0"/>
+              <a:t>monthly</a:t>
             </a:r>
             <a:r>
               <a:rPr lang="en-US" dirty="0"/>

--- a/Presentation.pptx
+++ b/Presentation.pptx
@@ -9,7 +9,9 @@
     <p:sldId id="257" r:id="rId3"/>
     <p:sldId id="258" r:id="rId4"/>
     <p:sldId id="259" r:id="rId5"/>
-    <p:sldId id="260" r:id="rId6"/>
+    <p:sldId id="261" r:id="rId6"/>
+    <p:sldId id="262" r:id="rId7"/>
+    <p:sldId id="260" r:id="rId8"/>
   </p:sldIdLst>
   <p:sldSz cx="9144000" cy="6858000" type="screen4x3"/>
   <p:notesSz cx="6858000" cy="9144000"/>
@@ -3109,7 +3111,12 @@
             <p:ph type="ctrTitle"/>
           </p:nvPr>
         </p:nvSpPr>
-        <p:spPr/>
+        <p:spPr>
+          <a:xfrm>
+            <a:off x="741422" y="3911981"/>
+            <a:ext cx="7772400" cy="1470025"/>
+          </a:xfrm>
+        </p:spPr>
         <p:txBody>
           <a:bodyPr/>
           <a:lstStyle/>
@@ -3138,7 +3145,7 @@
         </p:nvSpPr>
         <p:spPr>
           <a:xfrm>
-            <a:off x="1371600" y="3886200"/>
+            <a:off x="1371600" y="5156291"/>
             <a:ext cx="6400800" cy="1230086"/>
           </a:xfrm>
         </p:spPr>
@@ -3169,6 +3176,36 @@
           </a:p>
         </p:txBody>
       </p:sp>
+      <p:pic>
+        <p:nvPicPr>
+          <p:cNvPr id="6" name="Picture 5" descr="300px-BMW.png"/>
+          <p:cNvPicPr>
+            <a:picLocks noChangeAspect="1"/>
+          </p:cNvPicPr>
+          <p:nvPr/>
+        </p:nvPicPr>
+        <p:blipFill>
+          <a:blip r:embed="rId2">
+            <a:extLst>
+              <a:ext uri="{28A0092B-C50C-407E-A947-70E740481C1C}">
+                <a14:useLocalDpi xmlns:a14="http://schemas.microsoft.com/office/drawing/2010/main" val="0"/>
+              </a:ext>
+            </a:extLst>
+          </a:blip>
+          <a:stretch>
+            <a:fillRect/>
+          </a:stretch>
+        </p:blipFill>
+        <p:spPr>
+          <a:xfrm>
+            <a:off x="2678714" y="241038"/>
+            <a:ext cx="3810000" cy="3810000"/>
+          </a:xfrm>
+          <a:prstGeom prst="rect">
+            <a:avLst/>
+          </a:prstGeom>
+        </p:spPr>
+      </p:pic>
     </p:spTree>
     <p:extLst>
       <p:ext uri="{BB962C8B-B14F-4D97-AF65-F5344CB8AC3E}">
@@ -3312,6 +3349,13 @@
   <p:clrMapOvr>
     <a:masterClrMapping/>
   </p:clrMapOvr>
+  <p:timing>
+    <p:tnLst>
+      <p:par>
+        <p:cTn xmlns:p14="http://schemas.microsoft.com/office/powerpoint/2010/main" id="1" dur="indefinite" restart="never" nodeType="tmRoot"/>
+      </p:par>
+    </p:tnLst>
+  </p:timing>
 </p:sld>
 </file>
 
@@ -3549,20 +3593,13 @@
             </a:r>
             <a:r>
               <a:rPr lang="en-US" dirty="0"/>
-              <a:t> </a:t>
-            </a:r>
-            <a:r>
-              <a:rPr lang="en-US"/>
-              <a:t>service </a:t>
-            </a:r>
-            <a:r>
-              <a:rPr lang="en-US" smtClean="0"/>
-              <a:t>monthly</a:t>
-            </a:r>
-            <a:r>
-              <a:rPr lang="en-US" dirty="0"/>
-              <a:t>.</a:t>
-            </a:r>
+              <a:t> service </a:t>
+            </a:r>
+            <a:r>
+              <a:rPr lang="en-US" dirty="0" smtClean="0"/>
+              <a:t>monthly.</a:t>
+            </a:r>
+            <a:endParaRPr lang="en-US" dirty="0"/>
           </a:p>
         </p:txBody>
       </p:sp>
@@ -3620,6 +3657,191 @@
           <a:p>
             <a:r>
               <a:rPr lang="en-US" dirty="0" smtClean="0"/>
+              <a:t>Low utilization of charging stations</a:t>
+            </a:r>
+            <a:endParaRPr lang="en-US" dirty="0"/>
+          </a:p>
+        </p:txBody>
+      </p:sp>
+      <p:pic>
+        <p:nvPicPr>
+          <p:cNvPr id="4" name="Content Placeholder 3" descr="ChargePoint.png"/>
+          <p:cNvPicPr>
+            <a:picLocks noGrp="1" noChangeAspect="1"/>
+          </p:cNvPicPr>
+          <p:nvPr>
+            <p:ph idx="1"/>
+          </p:nvPr>
+        </p:nvPicPr>
+        <p:blipFill>
+          <a:blip r:embed="rId2">
+            <a:extLst>
+              <a:ext uri="{28A0092B-C50C-407E-A947-70E740481C1C}">
+                <a14:useLocalDpi xmlns:a14="http://schemas.microsoft.com/office/drawing/2010/main" val="0"/>
+              </a:ext>
+            </a:extLst>
+          </a:blip>
+          <a:srcRect t="7610" b="7610"/>
+          <a:stretch>
+            <a:fillRect/>
+          </a:stretch>
+        </p:blipFill>
+        <p:spPr/>
+      </p:pic>
+    </p:spTree>
+    <p:extLst>
+      <p:ext uri="{BB962C8B-B14F-4D97-AF65-F5344CB8AC3E}">
+        <p14:creationId xmlns:p14="http://schemas.microsoft.com/office/powerpoint/2010/main" val="3826097732"/>
+      </p:ext>
+    </p:extLst>
+  </p:cSld>
+  <p:clrMapOvr>
+    <a:masterClrMapping/>
+  </p:clrMapOvr>
+  <p:timing>
+    <p:tnLst>
+      <p:par>
+        <p:cTn xmlns:p14="http://schemas.microsoft.com/office/powerpoint/2010/main" id="1" dur="indefinite" restart="never" nodeType="tmRoot"/>
+      </p:par>
+    </p:tnLst>
+  </p:timing>
+</p:sld>
+</file>
+
+<file path=ppt/slides/slide6.xml><?xml version="1.0" encoding="utf-8"?>
+<p:sld xmlns:a="http://schemas.openxmlformats.org/drawingml/2006/main" xmlns:r="http://schemas.openxmlformats.org/officeDocument/2006/relationships" xmlns:p="http://schemas.openxmlformats.org/presentationml/2006/main">
+  <p:cSld>
+    <p:spTree>
+      <p:nvGrpSpPr>
+        <p:cNvPr id="1" name=""/>
+        <p:cNvGrpSpPr/>
+        <p:nvPr/>
+      </p:nvGrpSpPr>
+      <p:grpSpPr>
+        <a:xfrm>
+          <a:off x="0" y="0"/>
+          <a:ext cx="0" cy="0"/>
+          <a:chOff x="0" y="0"/>
+          <a:chExt cx="0" cy="0"/>
+        </a:xfrm>
+      </p:grpSpPr>
+      <p:sp>
+        <p:nvSpPr>
+          <p:cNvPr id="2" name="Title 1"/>
+          <p:cNvSpPr>
+            <a:spLocks noGrp="1"/>
+          </p:cNvSpPr>
+          <p:nvPr>
+            <p:ph type="title"/>
+          </p:nvPr>
+        </p:nvSpPr>
+        <p:spPr/>
+        <p:txBody>
+          <a:bodyPr/>
+          <a:lstStyle/>
+          <a:p>
+            <a:r>
+              <a:rPr lang="en-US" dirty="0" smtClean="0"/>
+              <a:t>Membership costs</a:t>
+            </a:r>
+            <a:endParaRPr lang="en-US" dirty="0"/>
+          </a:p>
+        </p:txBody>
+      </p:sp>
+      <p:sp>
+        <p:nvSpPr>
+          <p:cNvPr id="3" name="Content Placeholder 2"/>
+          <p:cNvSpPr>
+            <a:spLocks noGrp="1"/>
+          </p:cNvSpPr>
+          <p:nvPr>
+            <p:ph idx="1"/>
+          </p:nvPr>
+        </p:nvSpPr>
+        <p:spPr/>
+        <p:txBody>
+          <a:bodyPr/>
+          <a:lstStyle/>
+          <a:p>
+            <a:r>
+              <a:rPr lang="en-US" dirty="0" smtClean="0"/>
+              <a:t>$199 monthly fee for the hassle-free charging of your car OR</a:t>
+            </a:r>
+          </a:p>
+          <a:p>
+            <a:r>
+              <a:rPr lang="en-US" dirty="0" smtClean="0"/>
+              <a:t>$499 </a:t>
+            </a:r>
+            <a:r>
+              <a:rPr lang="en-US" dirty="0"/>
+              <a:t>monthly fee for </a:t>
+            </a:r>
+            <a:r>
+              <a:rPr lang="en-US" dirty="0" smtClean="0"/>
+              <a:t>lease of the BMW i3 and never worry about charging your car</a:t>
+            </a:r>
+            <a:endParaRPr lang="en-US" dirty="0"/>
+          </a:p>
+          <a:p>
+            <a:endParaRPr lang="en-US" dirty="0"/>
+          </a:p>
+        </p:txBody>
+      </p:sp>
+    </p:spTree>
+    <p:extLst>
+      <p:ext uri="{BB962C8B-B14F-4D97-AF65-F5344CB8AC3E}">
+        <p14:creationId xmlns:p14="http://schemas.microsoft.com/office/powerpoint/2010/main" val="1394763868"/>
+      </p:ext>
+    </p:extLst>
+  </p:cSld>
+  <p:clrMapOvr>
+    <a:masterClrMapping/>
+  </p:clrMapOvr>
+  <p:timing>
+    <p:tnLst>
+      <p:par>
+        <p:cTn xmlns:p14="http://schemas.microsoft.com/office/powerpoint/2010/main" id="1" dur="indefinite" restart="never" nodeType="tmRoot"/>
+      </p:par>
+    </p:tnLst>
+  </p:timing>
+</p:sld>
+</file>
+
+<file path=ppt/slides/slide7.xml><?xml version="1.0" encoding="utf-8"?>
+<p:sld xmlns:a="http://schemas.openxmlformats.org/drawingml/2006/main" xmlns:r="http://schemas.openxmlformats.org/officeDocument/2006/relationships" xmlns:p="http://schemas.openxmlformats.org/presentationml/2006/main">
+  <p:cSld>
+    <p:spTree>
+      <p:nvGrpSpPr>
+        <p:cNvPr id="1" name=""/>
+        <p:cNvGrpSpPr/>
+        <p:nvPr/>
+      </p:nvGrpSpPr>
+      <p:grpSpPr>
+        <a:xfrm>
+          <a:off x="0" y="0"/>
+          <a:ext cx="0" cy="0"/>
+          <a:chOff x="0" y="0"/>
+          <a:chExt cx="0" cy="0"/>
+        </a:xfrm>
+      </p:grpSpPr>
+      <p:sp>
+        <p:nvSpPr>
+          <p:cNvPr id="2" name="Title 1"/>
+          <p:cNvSpPr>
+            <a:spLocks noGrp="1"/>
+          </p:cNvSpPr>
+          <p:nvPr>
+            <p:ph type="title"/>
+          </p:nvPr>
+        </p:nvSpPr>
+        <p:spPr/>
+        <p:txBody>
+          <a:bodyPr/>
+          <a:lstStyle/>
+          <a:p>
+            <a:r>
+              <a:rPr lang="en-US" dirty="0" smtClean="0"/>
               <a:t>BMW </a:t>
             </a:r>
             <a:r>
@@ -3640,12 +3862,19 @@
             <p:ph idx="1"/>
           </p:nvPr>
         </p:nvSpPr>
-        <p:spPr/>
-        <p:txBody>
-          <a:bodyPr/>
-          <a:lstStyle/>
-          <a:p>
-            <a:pPr algn="ctr"/>
+        <p:spPr>
+          <a:xfrm>
+            <a:off x="693057" y="5745843"/>
+            <a:ext cx="8229600" cy="649514"/>
+          </a:xfrm>
+        </p:spPr>
+        <p:txBody>
+          <a:bodyPr/>
+          <a:lstStyle/>
+          <a:p>
+            <a:pPr marL="0" indent="0" algn="ctr">
+              <a:buNone/>
+            </a:pPr>
             <a:r>
               <a:rPr lang="en-US" dirty="0" smtClean="0"/>
               <a:t>Thank you!</a:t>
@@ -3654,6 +3883,36 @@
           </a:p>
         </p:txBody>
       </p:sp>
+      <p:pic>
+        <p:nvPicPr>
+          <p:cNvPr id="4" name="Picture 3" descr="bmwi3.jpg"/>
+          <p:cNvPicPr>
+            <a:picLocks noChangeAspect="1"/>
+          </p:cNvPicPr>
+          <p:nvPr/>
+        </p:nvPicPr>
+        <p:blipFill>
+          <a:blip r:embed="rId2">
+            <a:extLst>
+              <a:ext uri="{28A0092B-C50C-407E-A947-70E740481C1C}">
+                <a14:useLocalDpi xmlns:a14="http://schemas.microsoft.com/office/drawing/2010/main" val="0"/>
+              </a:ext>
+            </a:extLst>
+          </a:blip>
+          <a:stretch>
+            <a:fillRect/>
+          </a:stretch>
+        </p:blipFill>
+        <p:spPr>
+          <a:xfrm>
+            <a:off x="798286" y="1297895"/>
+            <a:ext cx="7620000" cy="4292600"/>
+          </a:xfrm>
+          <a:prstGeom prst="rect">
+            <a:avLst/>
+          </a:prstGeom>
+        </p:spPr>
+      </p:pic>
     </p:spTree>
     <p:extLst>
       <p:ext uri="{BB962C8B-B14F-4D97-AF65-F5344CB8AC3E}">
@@ -3664,6 +3923,13 @@
   <p:clrMapOvr>
     <a:masterClrMapping/>
   </p:clrMapOvr>
+  <p:timing>
+    <p:tnLst>
+      <p:par>
+        <p:cTn xmlns:p14="http://schemas.microsoft.com/office/powerpoint/2010/main" id="1" dur="indefinite" restart="never" nodeType="tmRoot"/>
+      </p:par>
+    </p:tnLst>
+  </p:timing>
 </p:sld>
 </file>
 

--- a/Presentation.pptx
+++ b/Presentation.pptx
@@ -3263,12 +3263,12 @@
               <a:t>Your </a:t>
             </a:r>
             <a:r>
-              <a:rPr lang="en-US" dirty="0" err="1" smtClean="0"/>
-              <a:t>bmw’s</a:t>
-            </a:r>
-            <a:r>
               <a:rPr lang="en-US" dirty="0" smtClean="0"/>
-              <a:t> health status</a:t>
+              <a:t>BMW’s </a:t>
+            </a:r>
+            <a:r>
+              <a:rPr lang="en-US" dirty="0" smtClean="0"/>
+              <a:t>health status</a:t>
             </a:r>
             <a:endParaRPr lang="en-US" dirty="0"/>
           </a:p>
@@ -3321,7 +3321,11 @@
             </a:pPr>
             <a:r>
               <a:rPr lang="en-US" dirty="0" smtClean="0"/>
-              <a:t>Battery level while in park</a:t>
+              <a:t>Battery level </a:t>
+            </a:r>
+            <a:r>
+              <a:rPr lang="en-US" i="1" dirty="0" smtClean="0"/>
+              <a:t>while in park</a:t>
             </a:r>
           </a:p>
           <a:p>
@@ -3352,9 +3356,247 @@
   <p:timing>
     <p:tnLst>
       <p:par>
-        <p:cTn xmlns:p14="http://schemas.microsoft.com/office/powerpoint/2010/main" id="1" dur="indefinite" restart="never" nodeType="tmRoot"/>
+        <p:cTn xmlns:p14="http://schemas.microsoft.com/office/powerpoint/2010/main" id="1" dur="indefinite" restart="never" nodeType="tmRoot">
+          <p:childTnLst>
+            <p:seq concurrent="1" nextAc="seek">
+              <p:cTn id="2" dur="indefinite" nodeType="mainSeq">
+                <p:childTnLst>
+                  <p:par>
+                    <p:cTn id="3" fill="hold">
+                      <p:stCondLst>
+                        <p:cond delay="indefinite"/>
+                        <p:cond evt="onBegin" delay="0">
+                          <p:tn val="2"/>
+                        </p:cond>
+                      </p:stCondLst>
+                      <p:childTnLst>
+                        <p:par>
+                          <p:cTn id="4" fill="hold">
+                            <p:stCondLst>
+                              <p:cond delay="0"/>
+                            </p:stCondLst>
+                            <p:childTnLst>
+                              <p:par>
+                                <p:cTn id="5" presetID="1" presetClass="entr" presetSubtype="0" fill="hold" grpId="0" nodeType="withEffect">
+                                  <p:stCondLst>
+                                    <p:cond delay="0"/>
+                                  </p:stCondLst>
+                                  <p:childTnLst>
+                                    <p:set>
+                                      <p:cBhvr>
+                                        <p:cTn id="6" dur="1" fill="hold">
+                                          <p:stCondLst>
+                                            <p:cond delay="0"/>
+                                          </p:stCondLst>
+                                        </p:cTn>
+                                        <p:tgtEl>
+                                          <p:spTgt spid="3">
+                                            <p:txEl>
+                                              <p:pRg st="0" end="0"/>
+                                            </p:txEl>
+                                          </p:spTgt>
+                                        </p:tgtEl>
+                                        <p:attrNameLst>
+                                          <p:attrName>style.visibility</p:attrName>
+                                        </p:attrNameLst>
+                                      </p:cBhvr>
+                                      <p:to>
+                                        <p:strVal val="visible"/>
+                                      </p:to>
+                                    </p:set>
+                                  </p:childTnLst>
+                                </p:cTn>
+                              </p:par>
+                              <p:par>
+                                <p:cTn id="7" presetID="1" presetClass="entr" presetSubtype="0" fill="hold" grpId="0" nodeType="withEffect">
+                                  <p:stCondLst>
+                                    <p:cond delay="0"/>
+                                  </p:stCondLst>
+                                  <p:childTnLst>
+                                    <p:set>
+                                      <p:cBhvr>
+                                        <p:cTn id="8" dur="1" fill="hold">
+                                          <p:stCondLst>
+                                            <p:cond delay="0"/>
+                                          </p:stCondLst>
+                                        </p:cTn>
+                                        <p:tgtEl>
+                                          <p:spTgt spid="3">
+                                            <p:txEl>
+                                              <p:pRg st="1" end="1"/>
+                                            </p:txEl>
+                                          </p:spTgt>
+                                        </p:tgtEl>
+                                        <p:attrNameLst>
+                                          <p:attrName>style.visibility</p:attrName>
+                                        </p:attrNameLst>
+                                      </p:cBhvr>
+                                      <p:to>
+                                        <p:strVal val="visible"/>
+                                      </p:to>
+                                    </p:set>
+                                  </p:childTnLst>
+                                </p:cTn>
+                              </p:par>
+                            </p:childTnLst>
+                          </p:cTn>
+                        </p:par>
+                      </p:childTnLst>
+                    </p:cTn>
+                  </p:par>
+                  <p:par>
+                    <p:cTn id="9" fill="hold">
+                      <p:stCondLst>
+                        <p:cond delay="indefinite"/>
+                      </p:stCondLst>
+                      <p:childTnLst>
+                        <p:par>
+                          <p:cTn id="10" fill="hold">
+                            <p:stCondLst>
+                              <p:cond delay="0"/>
+                            </p:stCondLst>
+                            <p:childTnLst>
+                              <p:par>
+                                <p:cTn id="11" presetID="1" presetClass="entr" presetSubtype="0" fill="hold" grpId="0" nodeType="clickEffect">
+                                  <p:stCondLst>
+                                    <p:cond delay="0"/>
+                                  </p:stCondLst>
+                                  <p:childTnLst>
+                                    <p:set>
+                                      <p:cBhvr>
+                                        <p:cTn id="12" dur="1" fill="hold">
+                                          <p:stCondLst>
+                                            <p:cond delay="0"/>
+                                          </p:stCondLst>
+                                        </p:cTn>
+                                        <p:tgtEl>
+                                          <p:spTgt spid="3">
+                                            <p:txEl>
+                                              <p:pRg st="2" end="2"/>
+                                            </p:txEl>
+                                          </p:spTgt>
+                                        </p:tgtEl>
+                                        <p:attrNameLst>
+                                          <p:attrName>style.visibility</p:attrName>
+                                        </p:attrNameLst>
+                                      </p:cBhvr>
+                                      <p:to>
+                                        <p:strVal val="visible"/>
+                                      </p:to>
+                                    </p:set>
+                                  </p:childTnLst>
+                                </p:cTn>
+                              </p:par>
+                              <p:par>
+                                <p:cTn id="13" presetID="1" presetClass="entr" presetSubtype="0" fill="hold" grpId="0" nodeType="withEffect">
+                                  <p:stCondLst>
+                                    <p:cond delay="0"/>
+                                  </p:stCondLst>
+                                  <p:childTnLst>
+                                    <p:set>
+                                      <p:cBhvr>
+                                        <p:cTn id="14" dur="1" fill="hold">
+                                          <p:stCondLst>
+                                            <p:cond delay="0"/>
+                                          </p:stCondLst>
+                                        </p:cTn>
+                                        <p:tgtEl>
+                                          <p:spTgt spid="3">
+                                            <p:txEl>
+                                              <p:pRg st="3" end="3"/>
+                                            </p:txEl>
+                                          </p:spTgt>
+                                        </p:tgtEl>
+                                        <p:attrNameLst>
+                                          <p:attrName>style.visibility</p:attrName>
+                                        </p:attrNameLst>
+                                      </p:cBhvr>
+                                      <p:to>
+                                        <p:strVal val="visible"/>
+                                      </p:to>
+                                    </p:set>
+                                  </p:childTnLst>
+                                </p:cTn>
+                              </p:par>
+                            </p:childTnLst>
+                          </p:cTn>
+                        </p:par>
+                      </p:childTnLst>
+                    </p:cTn>
+                  </p:par>
+                  <p:par>
+                    <p:cTn id="15" fill="hold">
+                      <p:stCondLst>
+                        <p:cond delay="indefinite"/>
+                      </p:stCondLst>
+                      <p:childTnLst>
+                        <p:par>
+                          <p:cTn id="16" fill="hold">
+                            <p:stCondLst>
+                              <p:cond delay="0"/>
+                            </p:stCondLst>
+                            <p:childTnLst>
+                              <p:par>
+                                <p:cTn id="17" presetID="1" presetClass="entr" presetSubtype="0" fill="hold" grpId="0" nodeType="clickEffect">
+                                  <p:stCondLst>
+                                    <p:cond delay="0"/>
+                                  </p:stCondLst>
+                                  <p:childTnLst>
+                                    <p:set>
+                                      <p:cBhvr>
+                                        <p:cTn id="18" dur="1" fill="hold">
+                                          <p:stCondLst>
+                                            <p:cond delay="0"/>
+                                          </p:stCondLst>
+                                        </p:cTn>
+                                        <p:tgtEl>
+                                          <p:spTgt spid="3">
+                                            <p:txEl>
+                                              <p:pRg st="4" end="4"/>
+                                            </p:txEl>
+                                          </p:spTgt>
+                                        </p:tgtEl>
+                                        <p:attrNameLst>
+                                          <p:attrName>style.visibility</p:attrName>
+                                        </p:attrNameLst>
+                                      </p:cBhvr>
+                                      <p:to>
+                                        <p:strVal val="visible"/>
+                                      </p:to>
+                                    </p:set>
+                                  </p:childTnLst>
+                                </p:cTn>
+                              </p:par>
+                            </p:childTnLst>
+                          </p:cTn>
+                        </p:par>
+                      </p:childTnLst>
+                    </p:cTn>
+                  </p:par>
+                </p:childTnLst>
+              </p:cTn>
+              <p:prevCondLst>
+                <p:cond evt="onPrev" delay="0">
+                  <p:tgtEl>
+                    <p:sldTgt/>
+                  </p:tgtEl>
+                </p:cond>
+              </p:prevCondLst>
+              <p:nextCondLst>
+                <p:cond evt="onNext" delay="0">
+                  <p:tgtEl>
+                    <p:sldTgt/>
+                  </p:tgtEl>
+                </p:cond>
+              </p:nextCondLst>
+            </p:seq>
+          </p:childTnLst>
+        </p:cTn>
       </p:par>
     </p:tnLst>
+    <p:bldLst>
+      <p:bldP spid="3" grpId="0" build="p"/>
+    </p:bldLst>
   </p:timing>
 </p:sld>
 </file>
@@ -3503,6 +3745,9 @@
           </a:bodyPr>
           <a:lstStyle/>
           <a:p>
+            <a:pPr marL="0" indent="0">
+              <a:buNone/>
+            </a:pPr>
             <a:r>
               <a:rPr lang="en-US" dirty="0"/>
               <a:t>Would it be nice we have a charged car every morning without worrying about all the </a:t>
@@ -3527,12 +3772,16 @@
               <a:t>Introducing </a:t>
             </a:r>
             <a:r>
-              <a:rPr lang="en-US" dirty="0" err="1"/>
+              <a:rPr lang="en-US" i="1" dirty="0" err="1"/>
               <a:t>ChargeSimple</a:t>
             </a:r>
             <a:r>
               <a:rPr lang="en-US" dirty="0"/>
-              <a:t> a service to help busy customer not worry about charging and have the car ready to go anytime</a:t>
+              <a:t> a </a:t>
+            </a:r>
+            <a:r>
+              <a:rPr lang="en-US" dirty="0"/>
+              <a:t>service to help busy customer not worry about charging and have the car ready to go anytime</a:t>
             </a:r>
             <a:r>
               <a:rPr lang="en-US" dirty="0" smtClean="0"/>
@@ -3569,7 +3818,7 @@
           <a:p>
             <a:pPr lvl="1"/>
             <a:r>
-              <a:rPr lang="en-US" dirty="0" err="1"/>
+              <a:rPr lang="en-US" i="1" dirty="0" err="1"/>
               <a:t>ChargeSimple</a:t>
             </a:r>
             <a:r>
@@ -3588,7 +3837,7 @@
               <a:t>A flat fee for using the </a:t>
             </a:r>
             <a:r>
-              <a:rPr lang="en-US" dirty="0" err="1"/>
+              <a:rPr lang="en-US" i="1" dirty="0" err="1"/>
               <a:t>ChargeSimple</a:t>
             </a:r>
             <a:r>
@@ -3616,9 +3865,265 @@
   <p:timing>
     <p:tnLst>
       <p:par>
-        <p:cTn xmlns:p14="http://schemas.microsoft.com/office/powerpoint/2010/main" id="1" dur="indefinite" restart="never" nodeType="tmRoot"/>
+        <p:cTn xmlns:p14="http://schemas.microsoft.com/office/powerpoint/2010/main" id="1" dur="indefinite" restart="never" nodeType="tmRoot">
+          <p:childTnLst>
+            <p:seq concurrent="1" nextAc="seek">
+              <p:cTn id="2" dur="indefinite" nodeType="mainSeq">
+                <p:childTnLst>
+                  <p:par>
+                    <p:cTn id="3" fill="hold">
+                      <p:stCondLst>
+                        <p:cond delay="indefinite"/>
+                        <p:cond evt="onBegin" delay="0">
+                          <p:tn val="2"/>
+                        </p:cond>
+                      </p:stCondLst>
+                      <p:childTnLst>
+                        <p:par>
+                          <p:cTn id="4" fill="hold">
+                            <p:stCondLst>
+                              <p:cond delay="0"/>
+                            </p:stCondLst>
+                            <p:childTnLst>
+                              <p:par>
+                                <p:cTn id="5" presetID="1" presetClass="entr" presetSubtype="0" fill="hold" grpId="0" nodeType="withEffect">
+                                  <p:stCondLst>
+                                    <p:cond delay="0"/>
+                                  </p:stCondLst>
+                                  <p:childTnLst>
+                                    <p:set>
+                                      <p:cBhvr>
+                                        <p:cTn id="6" dur="1" fill="hold">
+                                          <p:stCondLst>
+                                            <p:cond delay="0"/>
+                                          </p:stCondLst>
+                                        </p:cTn>
+                                        <p:tgtEl>
+                                          <p:spTgt spid="3">
+                                            <p:txEl>
+                                              <p:pRg st="0" end="0"/>
+                                            </p:txEl>
+                                          </p:spTgt>
+                                        </p:tgtEl>
+                                        <p:attrNameLst>
+                                          <p:attrName>style.visibility</p:attrName>
+                                        </p:attrNameLst>
+                                      </p:cBhvr>
+                                      <p:to>
+                                        <p:strVal val="visible"/>
+                                      </p:to>
+                                    </p:set>
+                                  </p:childTnLst>
+                                </p:cTn>
+                              </p:par>
+                              <p:par>
+                                <p:cTn id="7" presetID="1" presetClass="entr" presetSubtype="0" fill="hold" grpId="0" nodeType="withEffect">
+                                  <p:stCondLst>
+                                    <p:cond delay="0"/>
+                                  </p:stCondLst>
+                                  <p:childTnLst>
+                                    <p:set>
+                                      <p:cBhvr>
+                                        <p:cTn id="8" dur="1" fill="hold">
+                                          <p:stCondLst>
+                                            <p:cond delay="0"/>
+                                          </p:stCondLst>
+                                        </p:cTn>
+                                        <p:tgtEl>
+                                          <p:spTgt spid="3">
+                                            <p:txEl>
+                                              <p:pRg st="1" end="1"/>
+                                            </p:txEl>
+                                          </p:spTgt>
+                                        </p:tgtEl>
+                                        <p:attrNameLst>
+                                          <p:attrName>style.visibility</p:attrName>
+                                        </p:attrNameLst>
+                                      </p:cBhvr>
+                                      <p:to>
+                                        <p:strVal val="visible"/>
+                                      </p:to>
+                                    </p:set>
+                                  </p:childTnLst>
+                                </p:cTn>
+                              </p:par>
+                            </p:childTnLst>
+                          </p:cTn>
+                        </p:par>
+                      </p:childTnLst>
+                    </p:cTn>
+                  </p:par>
+                  <p:par>
+                    <p:cTn id="9" fill="hold">
+                      <p:stCondLst>
+                        <p:cond delay="indefinite"/>
+                      </p:stCondLst>
+                      <p:childTnLst>
+                        <p:par>
+                          <p:cTn id="10" fill="hold">
+                            <p:stCondLst>
+                              <p:cond delay="0"/>
+                            </p:stCondLst>
+                            <p:childTnLst>
+                              <p:par>
+                                <p:cTn id="11" presetID="1" presetClass="entr" presetSubtype="0" fill="hold" grpId="0" nodeType="clickEffect">
+                                  <p:stCondLst>
+                                    <p:cond delay="0"/>
+                                  </p:stCondLst>
+                                  <p:childTnLst>
+                                    <p:set>
+                                      <p:cBhvr>
+                                        <p:cTn id="12" dur="1" fill="hold">
+                                          <p:stCondLst>
+                                            <p:cond delay="0"/>
+                                          </p:stCondLst>
+                                        </p:cTn>
+                                        <p:tgtEl>
+                                          <p:spTgt spid="3">
+                                            <p:txEl>
+                                              <p:pRg st="2" end="2"/>
+                                            </p:txEl>
+                                          </p:spTgt>
+                                        </p:tgtEl>
+                                        <p:attrNameLst>
+                                          <p:attrName>style.visibility</p:attrName>
+                                        </p:attrNameLst>
+                                      </p:cBhvr>
+                                      <p:to>
+                                        <p:strVal val="visible"/>
+                                      </p:to>
+                                    </p:set>
+                                  </p:childTnLst>
+                                </p:cTn>
+                              </p:par>
+                            </p:childTnLst>
+                          </p:cTn>
+                        </p:par>
+                      </p:childTnLst>
+                    </p:cTn>
+                  </p:par>
+                  <p:par>
+                    <p:cTn id="13" fill="hold">
+                      <p:stCondLst>
+                        <p:cond delay="indefinite"/>
+                      </p:stCondLst>
+                      <p:childTnLst>
+                        <p:par>
+                          <p:cTn id="14" fill="hold">
+                            <p:stCondLst>
+                              <p:cond delay="0"/>
+                            </p:stCondLst>
+                            <p:childTnLst>
+                              <p:par>
+                                <p:cTn id="15" presetID="1" presetClass="entr" presetSubtype="0" fill="hold" grpId="0" nodeType="clickEffect">
+                                  <p:stCondLst>
+                                    <p:cond delay="0"/>
+                                  </p:stCondLst>
+                                  <p:childTnLst>
+                                    <p:set>
+                                      <p:cBhvr>
+                                        <p:cTn id="16" dur="1" fill="hold">
+                                          <p:stCondLst>
+                                            <p:cond delay="0"/>
+                                          </p:stCondLst>
+                                        </p:cTn>
+                                        <p:tgtEl>
+                                          <p:spTgt spid="3">
+                                            <p:txEl>
+                                              <p:pRg st="3" end="3"/>
+                                            </p:txEl>
+                                          </p:spTgt>
+                                        </p:tgtEl>
+                                        <p:attrNameLst>
+                                          <p:attrName>style.visibility</p:attrName>
+                                        </p:attrNameLst>
+                                      </p:cBhvr>
+                                      <p:to>
+                                        <p:strVal val="visible"/>
+                                      </p:to>
+                                    </p:set>
+                                  </p:childTnLst>
+                                </p:cTn>
+                              </p:par>
+                            </p:childTnLst>
+                          </p:cTn>
+                        </p:par>
+                      </p:childTnLst>
+                    </p:cTn>
+                  </p:par>
+                  <p:par>
+                    <p:cTn id="17" fill="hold">
+                      <p:stCondLst>
+                        <p:cond delay="indefinite"/>
+                      </p:stCondLst>
+                      <p:childTnLst>
+                        <p:par>
+                          <p:cTn id="18" fill="hold">
+                            <p:stCondLst>
+                              <p:cond delay="0"/>
+                            </p:stCondLst>
+                            <p:childTnLst>
+                              <p:par>
+                                <p:cTn id="19" presetID="1" presetClass="entr" presetSubtype="0" fill="hold" grpId="0" nodeType="clickEffect">
+                                  <p:stCondLst>
+                                    <p:cond delay="0"/>
+                                  </p:stCondLst>
+                                  <p:childTnLst>
+                                    <p:set>
+                                      <p:cBhvr>
+                                        <p:cTn id="20" dur="1" fill="hold">
+                                          <p:stCondLst>
+                                            <p:cond delay="0"/>
+                                          </p:stCondLst>
+                                        </p:cTn>
+                                        <p:tgtEl>
+                                          <p:spTgt spid="3">
+                                            <p:txEl>
+                                              <p:pRg st="4" end="4"/>
+                                            </p:txEl>
+                                          </p:spTgt>
+                                        </p:tgtEl>
+                                        <p:attrNameLst>
+                                          <p:attrName>style.visibility</p:attrName>
+                                        </p:attrNameLst>
+                                      </p:cBhvr>
+                                      <p:to>
+                                        <p:strVal val="visible"/>
+                                      </p:to>
+                                    </p:set>
+                                  </p:childTnLst>
+                                </p:cTn>
+                              </p:par>
+                            </p:childTnLst>
+                          </p:cTn>
+                        </p:par>
+                      </p:childTnLst>
+                    </p:cTn>
+                  </p:par>
+                </p:childTnLst>
+              </p:cTn>
+              <p:prevCondLst>
+                <p:cond evt="onPrev" delay="0">
+                  <p:tgtEl>
+                    <p:sldTgt/>
+                  </p:tgtEl>
+                </p:cond>
+              </p:prevCondLst>
+              <p:nextCondLst>
+                <p:cond evt="onNext" delay="0">
+                  <p:tgtEl>
+                    <p:sldTgt/>
+                  </p:tgtEl>
+                </p:cond>
+              </p:nextCondLst>
+            </p:seq>
+          </p:childTnLst>
+        </p:cTn>
       </p:par>
     </p:tnLst>
+    <p:bldLst>
+      <p:bldP spid="3" grpId="0" build="p"/>
+    </p:bldLst>
   </p:timing>
 </p:sld>
 </file>
@@ -3801,9 +4306,136 @@
   <p:timing>
     <p:tnLst>
       <p:par>
-        <p:cTn xmlns:p14="http://schemas.microsoft.com/office/powerpoint/2010/main" id="1" dur="indefinite" restart="never" nodeType="tmRoot"/>
+        <p:cTn xmlns:p14="http://schemas.microsoft.com/office/powerpoint/2010/main" id="1" dur="indefinite" restart="never" nodeType="tmRoot">
+          <p:childTnLst>
+            <p:seq concurrent="1" nextAc="seek">
+              <p:cTn id="2" dur="indefinite" nodeType="mainSeq">
+                <p:childTnLst>
+                  <p:par>
+                    <p:cTn id="3" fill="hold">
+                      <p:stCondLst>
+                        <p:cond delay="indefinite"/>
+                        <p:cond evt="onBegin" delay="0">
+                          <p:tn val="2"/>
+                        </p:cond>
+                      </p:stCondLst>
+                      <p:childTnLst>
+                        <p:par>
+                          <p:cTn id="4" fill="hold">
+                            <p:stCondLst>
+                              <p:cond delay="0"/>
+                            </p:stCondLst>
+                            <p:childTnLst>
+                              <p:par>
+                                <p:cTn id="5" presetID="1" presetClass="entr" presetSubtype="0" fill="hold" grpId="0" nodeType="withEffect">
+                                  <p:stCondLst>
+                                    <p:cond delay="0"/>
+                                  </p:stCondLst>
+                                  <p:childTnLst>
+                                    <p:set>
+                                      <p:cBhvr>
+                                        <p:cTn id="6" dur="1" fill="hold">
+                                          <p:stCondLst>
+                                            <p:cond delay="0"/>
+                                          </p:stCondLst>
+                                        </p:cTn>
+                                        <p:tgtEl>
+                                          <p:spTgt spid="3">
+                                            <p:txEl>
+                                              <p:pRg st="0" end="0"/>
+                                            </p:txEl>
+                                          </p:spTgt>
+                                        </p:tgtEl>
+                                        <p:attrNameLst>
+                                          <p:attrName>style.visibility</p:attrName>
+                                        </p:attrNameLst>
+                                      </p:cBhvr>
+                                      <p:to>
+                                        <p:strVal val="visible"/>
+                                      </p:to>
+                                    </p:set>
+                                  </p:childTnLst>
+                                </p:cTn>
+                              </p:par>
+                            </p:childTnLst>
+                          </p:cTn>
+                        </p:par>
+                      </p:childTnLst>
+                    </p:cTn>
+                  </p:par>
+                  <p:par>
+                    <p:cTn id="7" fill="hold">
+                      <p:stCondLst>
+                        <p:cond delay="indefinite"/>
+                      </p:stCondLst>
+                      <p:childTnLst>
+                        <p:par>
+                          <p:cTn id="8" fill="hold">
+                            <p:stCondLst>
+                              <p:cond delay="0"/>
+                            </p:stCondLst>
+                            <p:childTnLst>
+                              <p:par>
+                                <p:cTn id="9" presetID="1" presetClass="entr" presetSubtype="0" fill="hold" grpId="0" nodeType="clickEffect">
+                                  <p:stCondLst>
+                                    <p:cond delay="0"/>
+                                  </p:stCondLst>
+                                  <p:childTnLst>
+                                    <p:set>
+                                      <p:cBhvr>
+                                        <p:cTn id="10" dur="1" fill="hold">
+                                          <p:stCondLst>
+                                            <p:cond delay="0"/>
+                                          </p:stCondLst>
+                                        </p:cTn>
+                                        <p:tgtEl>
+                                          <p:spTgt spid="3">
+                                            <p:txEl>
+                                              <p:pRg st="1" end="1"/>
+                                            </p:txEl>
+                                          </p:spTgt>
+                                        </p:tgtEl>
+                                        <p:attrNameLst>
+                                          <p:attrName>style.visibility</p:attrName>
+                                        </p:attrNameLst>
+                                      </p:cBhvr>
+                                      <p:to>
+                                        <p:strVal val="visible"/>
+                                      </p:to>
+                                    </p:set>
+                                  </p:childTnLst>
+                                </p:cTn>
+                              </p:par>
+                            </p:childTnLst>
+                          </p:cTn>
+                        </p:par>
+                      </p:childTnLst>
+                    </p:cTn>
+                  </p:par>
+                </p:childTnLst>
+              </p:cTn>
+              <p:prevCondLst>
+                <p:cond evt="onPrev" delay="0">
+                  <p:tgtEl>
+                    <p:sldTgt/>
+                  </p:tgtEl>
+                </p:cond>
+              </p:prevCondLst>
+              <p:nextCondLst>
+                <p:cond evt="onNext" delay="0">
+                  <p:tgtEl>
+                    <p:sldTgt/>
+                  </p:tgtEl>
+                </p:cond>
+              </p:nextCondLst>
+            </p:seq>
+          </p:childTnLst>
+        </p:cTn>
       </p:par>
     </p:tnLst>
+    <p:bldLst>
+      <p:bldP spid="3" grpId="0" build="p"/>
+    </p:bldLst>
   </p:timing>
 </p:sld>
 </file>
